--- a/Buchungssystem/doc/09_Präsentation.pptx
+++ b/Buchungssystem/doc/09_Präsentation.pptx
@@ -9,7 +9,9 @@
     <p:sldId id="257" r:id="rId3"/>
     <p:sldId id="258" r:id="rId4"/>
     <p:sldId id="259" r:id="rId5"/>
-    <p:sldId id="260" r:id="rId6"/>
+    <p:sldId id="261" r:id="rId6"/>
+    <p:sldId id="260" r:id="rId7"/>
+    <p:sldId id="262" r:id="rId8"/>
   </p:sldIdLst>
   <p:sldSz cx="12192000" cy="6858000"/>
   <p:notesSz cx="6858000" cy="9144000"/>
@@ -833,7 +835,7 @@
           <a:p>
             <a:fld id="{A330AB49-AF72-47CF-9BC4-45BA8E931CCD}" type="datetimeFigureOut">
               <a:rPr lang="de-CH" smtClean="0"/>
-              <a:t>14.07.2016</a:t>
+              <a:t>15.07.2016</a:t>
             </a:fld>
             <a:endParaRPr lang="de-CH"/>
           </a:p>
@@ -1084,7 +1086,7 @@
           <a:p>
             <a:fld id="{A330AB49-AF72-47CF-9BC4-45BA8E931CCD}" type="datetimeFigureOut">
               <a:rPr lang="de-CH" smtClean="0"/>
-              <a:t>14.07.2016</a:t>
+              <a:t>15.07.2016</a:t>
             </a:fld>
             <a:endParaRPr lang="de-CH"/>
           </a:p>
@@ -1398,7 +1400,7 @@
           <a:p>
             <a:fld id="{A330AB49-AF72-47CF-9BC4-45BA8E931CCD}" type="datetimeFigureOut">
               <a:rPr lang="de-CH" smtClean="0"/>
-              <a:t>14.07.2016</a:t>
+              <a:t>15.07.2016</a:t>
             </a:fld>
             <a:endParaRPr lang="de-CH"/>
           </a:p>
@@ -1739,7 +1741,7 @@
           <a:p>
             <a:fld id="{A330AB49-AF72-47CF-9BC4-45BA8E931CCD}" type="datetimeFigureOut">
               <a:rPr lang="de-CH" smtClean="0"/>
-              <a:t>14.07.2016</a:t>
+              <a:t>15.07.2016</a:t>
             </a:fld>
             <a:endParaRPr lang="de-CH"/>
           </a:p>
@@ -2053,7 +2055,7 @@
           <a:p>
             <a:fld id="{A330AB49-AF72-47CF-9BC4-45BA8E931CCD}" type="datetimeFigureOut">
               <a:rPr lang="de-CH" smtClean="0"/>
-              <a:t>14.07.2016</a:t>
+              <a:t>15.07.2016</a:t>
             </a:fld>
             <a:endParaRPr lang="de-CH"/>
           </a:p>
@@ -2446,7 +2448,7 @@
           <a:p>
             <a:fld id="{A330AB49-AF72-47CF-9BC4-45BA8E931CCD}" type="datetimeFigureOut">
               <a:rPr lang="de-CH" smtClean="0"/>
-              <a:t>14.07.2016</a:t>
+              <a:t>15.07.2016</a:t>
             </a:fld>
             <a:endParaRPr lang="de-CH"/>
           </a:p>
@@ -2616,7 +2618,7 @@
           <a:p>
             <a:fld id="{A330AB49-AF72-47CF-9BC4-45BA8E931CCD}" type="datetimeFigureOut">
               <a:rPr lang="de-CH" smtClean="0"/>
-              <a:t>14.07.2016</a:t>
+              <a:t>15.07.2016</a:t>
             </a:fld>
             <a:endParaRPr lang="de-CH"/>
           </a:p>
@@ -2796,7 +2798,7 @@
           <a:p>
             <a:fld id="{A330AB49-AF72-47CF-9BC4-45BA8E931CCD}" type="datetimeFigureOut">
               <a:rPr lang="de-CH" smtClean="0"/>
-              <a:t>14.07.2016</a:t>
+              <a:t>15.07.2016</a:t>
             </a:fld>
             <a:endParaRPr lang="de-CH"/>
           </a:p>
@@ -2972,7 +2974,7 @@
           <a:p>
             <a:fld id="{A330AB49-AF72-47CF-9BC4-45BA8E931CCD}" type="datetimeFigureOut">
               <a:rPr lang="de-CH" smtClean="0"/>
-              <a:t>14.07.2016</a:t>
+              <a:t>15.07.2016</a:t>
             </a:fld>
             <a:endParaRPr lang="de-CH"/>
           </a:p>
@@ -3219,7 +3221,7 @@
           <a:p>
             <a:fld id="{A330AB49-AF72-47CF-9BC4-45BA8E931CCD}" type="datetimeFigureOut">
               <a:rPr lang="de-CH" smtClean="0"/>
-              <a:t>14.07.2016</a:t>
+              <a:t>15.07.2016</a:t>
             </a:fld>
             <a:endParaRPr lang="de-CH"/>
           </a:p>
@@ -3451,7 +3453,7 @@
           <a:p>
             <a:fld id="{A330AB49-AF72-47CF-9BC4-45BA8E931CCD}" type="datetimeFigureOut">
               <a:rPr lang="de-CH" smtClean="0"/>
-              <a:t>14.07.2016</a:t>
+              <a:t>15.07.2016</a:t>
             </a:fld>
             <a:endParaRPr lang="de-CH"/>
           </a:p>
@@ -3825,7 +3827,7 @@
           <a:p>
             <a:fld id="{A330AB49-AF72-47CF-9BC4-45BA8E931CCD}" type="datetimeFigureOut">
               <a:rPr lang="de-CH" smtClean="0"/>
-              <a:t>14.07.2016</a:t>
+              <a:t>15.07.2016</a:t>
             </a:fld>
             <a:endParaRPr lang="de-CH"/>
           </a:p>
@@ -3948,7 +3950,7 @@
           <a:p>
             <a:fld id="{A330AB49-AF72-47CF-9BC4-45BA8E931CCD}" type="datetimeFigureOut">
               <a:rPr lang="de-CH" smtClean="0"/>
-              <a:t>14.07.2016</a:t>
+              <a:t>15.07.2016</a:t>
             </a:fld>
             <a:endParaRPr lang="de-CH"/>
           </a:p>
@@ -4043,7 +4045,7 @@
           <a:p>
             <a:fld id="{A330AB49-AF72-47CF-9BC4-45BA8E931CCD}" type="datetimeFigureOut">
               <a:rPr lang="de-CH" smtClean="0"/>
-              <a:t>14.07.2016</a:t>
+              <a:t>15.07.2016</a:t>
             </a:fld>
             <a:endParaRPr lang="de-CH"/>
           </a:p>
@@ -4298,7 +4300,7 @@
           <a:p>
             <a:fld id="{A330AB49-AF72-47CF-9BC4-45BA8E931CCD}" type="datetimeFigureOut">
               <a:rPr lang="de-CH" smtClean="0"/>
-              <a:t>14.07.2016</a:t>
+              <a:t>15.07.2016</a:t>
             </a:fld>
             <a:endParaRPr lang="de-CH"/>
           </a:p>
@@ -4561,7 +4563,7 @@
           <a:p>
             <a:fld id="{A330AB49-AF72-47CF-9BC4-45BA8E931CCD}" type="datetimeFigureOut">
               <a:rPr lang="de-CH" smtClean="0"/>
-              <a:t>14.07.2016</a:t>
+              <a:t>15.07.2016</a:t>
             </a:fld>
             <a:endParaRPr lang="de-CH"/>
           </a:p>
@@ -5304,7 +5306,7 @@
           <a:p>
             <a:fld id="{A330AB49-AF72-47CF-9BC4-45BA8E931CCD}" type="datetimeFigureOut">
               <a:rPr lang="de-CH" smtClean="0"/>
-              <a:t>14.07.2016</a:t>
+              <a:t>15.07.2016</a:t>
             </a:fld>
             <a:endParaRPr lang="de-CH"/>
           </a:p>
@@ -5955,13 +5957,26 @@
             </a:r>
           </a:p>
           <a:p>
+            <a:pPr marL="0" indent="0">
+              <a:buNone/>
+            </a:pPr>
             <a:endParaRPr lang="de-CH" dirty="0"/>
           </a:p>
           <a:p>
             <a:r>
-              <a:rPr lang="de-CH" dirty="0"/>
+              <a:rPr lang="de-CH" dirty="0" smtClean="0"/>
               <a:t>Implementation</a:t>
             </a:r>
+          </a:p>
+          <a:p>
+            <a:endParaRPr lang="de-CH" dirty="0"/>
+          </a:p>
+          <a:p>
+            <a:r>
+              <a:rPr lang="de-CH" smtClean="0"/>
+              <a:t>Demonstration</a:t>
+            </a:r>
+            <a:endParaRPr lang="de-CH" dirty="0"/>
           </a:p>
           <a:p>
             <a:endParaRPr lang="de-CH" dirty="0" smtClean="0"/>
@@ -5970,6 +5985,15 @@
             <a:r>
               <a:rPr lang="de-CH" dirty="0" smtClean="0"/>
               <a:t>Reflexion</a:t>
+            </a:r>
+          </a:p>
+          <a:p>
+            <a:endParaRPr lang="de-CH" dirty="0"/>
+          </a:p>
+          <a:p>
+            <a:r>
+              <a:rPr lang="de-CH" dirty="0" smtClean="0"/>
+              <a:t>Fragen?</a:t>
             </a:r>
           </a:p>
         </p:txBody>
@@ -6091,25 +6115,7 @@
               <a:srgbClr val="FFFFFF"/>
             </a:contourClr>
           </a:sp3d>
-          <a:extLst>
-            <a:ext uri="{909E8E84-426E-40DD-AFC4-6F175D3DCCD1}">
-              <a14:hiddenFill xmlns:a14="http://schemas.microsoft.com/office/drawing/2010/main">
-                <a:solidFill>
-                  <a:srgbClr val="FFFFFF"/>
-                </a:solidFill>
-              </a14:hiddenFill>
-            </a:ext>
-            <a:ext uri="{91240B29-F687-4F45-9708-019B960494DF}">
-              <a14:hiddenLine xmlns:a14="http://schemas.microsoft.com/office/drawing/2010/main" w="9525">
-                <a:solidFill>
-                  <a:srgbClr val="000000"/>
-                </a:solidFill>
-                <a:miter lim="800000"/>
-                <a:headEnd/>
-                <a:tailEnd/>
-              </a14:hiddenLine>
-            </a:ext>
-          </a:extLst>
+          <a:extLst/>
         </p:spPr>
       </p:pic>
       <p:pic>
@@ -6282,15 +6288,7 @@
               <a:srgbClr val="FFFFFF"/>
             </a:contourClr>
           </a:sp3d>
-          <a:extLst>
-            <a:ext uri="{909E8E84-426E-40DD-AFC4-6F175D3DCCD1}">
-              <a14:hiddenFill xmlns:a14="http://schemas.microsoft.com/office/drawing/2010/main">
-                <a:solidFill>
-                  <a:srgbClr val="FFFFFF"/>
-                </a:solidFill>
-              </a14:hiddenFill>
-            </a:ext>
-          </a:extLst>
+          <a:extLst/>
         </p:spPr>
       </p:pic>
       <p:cxnSp>
@@ -6687,25 +6685,7 @@
               <a:srgbClr val="FFFFFF"/>
             </a:contourClr>
           </a:sp3d>
-          <a:extLst>
-            <a:ext uri="{909E8E84-426E-40DD-AFC4-6F175D3DCCD1}">
-              <a14:hiddenFill xmlns:a14="http://schemas.microsoft.com/office/drawing/2010/main">
-                <a:solidFill>
-                  <a:srgbClr val="FFFFFF"/>
-                </a:solidFill>
-              </a14:hiddenFill>
-            </a:ext>
-            <a:ext uri="{91240B29-F687-4F45-9708-019B960494DF}">
-              <a14:hiddenLine xmlns:a14="http://schemas.microsoft.com/office/drawing/2010/main" w="9525">
-                <a:solidFill>
-                  <a:srgbClr val="000000"/>
-                </a:solidFill>
-                <a:miter lim="800000"/>
-                <a:headEnd/>
-                <a:tailEnd/>
-              </a14:hiddenLine>
-            </a:ext>
-          </a:extLst>
+          <a:extLst/>
         </p:spPr>
       </p:pic>
       <p:pic>
@@ -6911,6 +6891,107 @@
           <a:p>
             <a:r>
               <a:rPr lang="de-CH" dirty="0" smtClean="0"/>
+              <a:t>Demonstration</a:t>
+            </a:r>
+            <a:endParaRPr lang="de-CH" dirty="0"/>
+          </a:p>
+        </p:txBody>
+      </p:sp>
+      <p:pic>
+        <p:nvPicPr>
+          <p:cNvPr id="1029" name="Picture 5" descr="http://cliparti.com/images/img1/a-demonstration-in-grayscale.png"/>
+          <p:cNvPicPr>
+            <a:picLocks noChangeAspect="1" noChangeArrowheads="1"/>
+          </p:cNvPicPr>
+          <p:nvPr/>
+        </p:nvPicPr>
+        <p:blipFill>
+          <a:blip r:embed="rId2">
+            <a:extLst>
+              <a:ext uri="{28A0092B-C50C-407E-A947-70E740481C1C}">
+                <a14:useLocalDpi xmlns:a14="http://schemas.microsoft.com/office/drawing/2010/main" val="0"/>
+              </a:ext>
+            </a:extLst>
+          </a:blip>
+          <a:srcRect/>
+          <a:stretch>
+            <a:fillRect/>
+          </a:stretch>
+        </p:blipFill>
+        <p:spPr bwMode="auto">
+          <a:xfrm>
+            <a:off x="1069974" y="1481344"/>
+            <a:ext cx="7290254" cy="4747779"/>
+          </a:xfrm>
+          <a:prstGeom prst="rect">
+            <a:avLst/>
+          </a:prstGeom>
+          <a:noFill/>
+          <a:extLst>
+            <a:ext uri="{909E8E84-426E-40DD-AFC4-6F175D3DCCD1}">
+              <a14:hiddenFill xmlns:a14="http://schemas.microsoft.com/office/drawing/2010/main">
+                <a:solidFill>
+                  <a:srgbClr val="FFFFFF"/>
+                </a:solidFill>
+              </a14:hiddenFill>
+            </a:ext>
+          </a:extLst>
+        </p:spPr>
+      </p:pic>
+    </p:spTree>
+    <p:extLst>
+      <p:ext uri="{BB962C8B-B14F-4D97-AF65-F5344CB8AC3E}">
+        <p14:creationId xmlns:p14="http://schemas.microsoft.com/office/powerpoint/2010/main" val="4044530284"/>
+      </p:ext>
+    </p:extLst>
+  </p:cSld>
+  <p:clrMapOvr>
+    <a:masterClrMapping/>
+  </p:clrMapOvr>
+  <p:timing>
+    <p:tnLst>
+      <p:par>
+        <p:cTn id="1" dur="indefinite" restart="never" nodeType="tmRoot"/>
+      </p:par>
+    </p:tnLst>
+  </p:timing>
+</p:sld>
+</file>
+
+<file path=ppt/slides/slide6.xml><?xml version="1.0" encoding="utf-8"?>
+<p:sld xmlns:a="http://schemas.openxmlformats.org/drawingml/2006/main" xmlns:r="http://schemas.openxmlformats.org/officeDocument/2006/relationships" xmlns:p="http://schemas.openxmlformats.org/presentationml/2006/main">
+  <p:cSld>
+    <p:spTree>
+      <p:nvGrpSpPr>
+        <p:cNvPr id="1" name=""/>
+        <p:cNvGrpSpPr/>
+        <p:nvPr/>
+      </p:nvGrpSpPr>
+      <p:grpSpPr>
+        <a:xfrm>
+          <a:off x="0" y="0"/>
+          <a:ext cx="0" cy="0"/>
+          <a:chOff x="0" y="0"/>
+          <a:chExt cx="0" cy="0"/>
+        </a:xfrm>
+      </p:grpSpPr>
+      <p:sp>
+        <p:nvSpPr>
+          <p:cNvPr id="2" name="Titel 1"/>
+          <p:cNvSpPr>
+            <a:spLocks noGrp="1"/>
+          </p:cNvSpPr>
+          <p:nvPr>
+            <p:ph type="title"/>
+          </p:nvPr>
+        </p:nvSpPr>
+        <p:spPr/>
+        <p:txBody>
+          <a:bodyPr/>
+          <a:lstStyle/>
+          <a:p>
+            <a:r>
+              <a:rPr lang="de-CH" dirty="0" smtClean="0"/>
               <a:t>Reflexion</a:t>
             </a:r>
             <a:endParaRPr lang="de-CH" dirty="0"/>
@@ -6934,7 +7015,7 @@
           <a:p>
             <a:r>
               <a:rPr lang="de-CH" dirty="0" smtClean="0"/>
-              <a:t>Linus Eberhard</a:t>
+              <a:t>Zusammenarbeit</a:t>
             </a:r>
           </a:p>
           <a:p>
@@ -6942,8 +7023,18 @@
           </a:p>
           <a:p>
             <a:r>
+              <a:rPr lang="de-CH" smtClean="0"/>
+              <a:t>Vorgehensweise</a:t>
+            </a:r>
+            <a:endParaRPr lang="de-CH" dirty="0" smtClean="0"/>
+          </a:p>
+          <a:p>
+            <a:endParaRPr lang="de-CH" dirty="0"/>
+          </a:p>
+          <a:p>
+            <a:r>
               <a:rPr lang="de-CH" dirty="0" smtClean="0"/>
-              <a:t>Sven Frei</a:t>
+              <a:t>Endresultat</a:t>
             </a:r>
             <a:endParaRPr lang="de-CH" dirty="0"/>
           </a:p>
@@ -6966,6 +7057,100 @@
       </p:par>
     </p:tnLst>
   </p:timing>
+</p:sld>
+</file>
+
+<file path=ppt/slides/slide7.xml><?xml version="1.0" encoding="utf-8"?>
+<p:sld xmlns:a="http://schemas.openxmlformats.org/drawingml/2006/main" xmlns:r="http://schemas.openxmlformats.org/officeDocument/2006/relationships" xmlns:p="http://schemas.openxmlformats.org/presentationml/2006/main">
+  <p:cSld>
+    <p:spTree>
+      <p:nvGrpSpPr>
+        <p:cNvPr id="1" name=""/>
+        <p:cNvGrpSpPr/>
+        <p:nvPr/>
+      </p:nvGrpSpPr>
+      <p:grpSpPr>
+        <a:xfrm>
+          <a:off x="0" y="0"/>
+          <a:ext cx="0" cy="0"/>
+          <a:chOff x="0" y="0"/>
+          <a:chExt cx="0" cy="0"/>
+        </a:xfrm>
+      </p:grpSpPr>
+      <p:sp>
+        <p:nvSpPr>
+          <p:cNvPr id="2" name="Titel 1"/>
+          <p:cNvSpPr>
+            <a:spLocks noGrp="1"/>
+          </p:cNvSpPr>
+          <p:nvPr>
+            <p:ph type="title"/>
+          </p:nvPr>
+        </p:nvSpPr>
+        <p:spPr/>
+        <p:txBody>
+          <a:bodyPr/>
+          <a:lstStyle/>
+          <a:p>
+            <a:r>
+              <a:rPr lang="de-CH" dirty="0" smtClean="0"/>
+              <a:t>Fragen?</a:t>
+            </a:r>
+            <a:endParaRPr lang="de-CH" dirty="0"/>
+          </a:p>
+        </p:txBody>
+      </p:sp>
+      <p:pic>
+        <p:nvPicPr>
+          <p:cNvPr id="3074" name="Picture 2" descr="http://media-cdn.sueddeutsche.de/image/sz.1.2249385/940x528?v=1417534538000"/>
+          <p:cNvPicPr>
+            <a:picLocks noChangeAspect="1" noChangeArrowheads="1"/>
+          </p:cNvPicPr>
+          <p:nvPr/>
+        </p:nvPicPr>
+        <p:blipFill>
+          <a:blip r:embed="rId2">
+            <a:extLst>
+              <a:ext uri="{28A0092B-C50C-407E-A947-70E740481C1C}">
+                <a14:useLocalDpi xmlns:a14="http://schemas.microsoft.com/office/drawing/2010/main" val="0"/>
+              </a:ext>
+            </a:extLst>
+          </a:blip>
+          <a:srcRect/>
+          <a:stretch>
+            <a:fillRect/>
+          </a:stretch>
+        </p:blipFill>
+        <p:spPr bwMode="auto">
+          <a:xfrm>
+            <a:off x="1273176" y="2277923"/>
+            <a:ext cx="6114596" cy="3434582"/>
+          </a:xfrm>
+          <a:prstGeom prst="rect">
+            <a:avLst/>
+          </a:prstGeom>
+          <a:noFill/>
+          <a:extLst>
+            <a:ext uri="{909E8E84-426E-40DD-AFC4-6F175D3DCCD1}">
+              <a14:hiddenFill xmlns:a14="http://schemas.microsoft.com/office/drawing/2010/main">
+                <a:solidFill>
+                  <a:srgbClr val="FFFFFF"/>
+                </a:solidFill>
+              </a14:hiddenFill>
+            </a:ext>
+          </a:extLst>
+        </p:spPr>
+      </p:pic>
+    </p:spTree>
+    <p:extLst>
+      <p:ext uri="{BB962C8B-B14F-4D97-AF65-F5344CB8AC3E}">
+        <p14:creationId xmlns:p14="http://schemas.microsoft.com/office/powerpoint/2010/main" val="2302611380"/>
+      </p:ext>
+    </p:extLst>
+  </p:cSld>
+  <p:clrMapOvr>
+    <a:masterClrMapping/>
+  </p:clrMapOvr>
 </p:sld>
 </file>
 
@@ -7220,7 +7405,7 @@
   <a:extraClrSchemeLst/>
   <a:extLst>
     <a:ext uri="{05A4C25C-085E-4340-85A3-A5531E510DB2}">
-      <thm15:themeFamily xmlns:thm15="http://schemas.microsoft.com/office/thememl/2012/main" name="Facet" id="{C0C680CD-088A-49FC-A102-D699147F32B2}" vid="{CFBC31BA-B70F-4F30-BCAA-4F3011E16C4D}"/>
+      <thm15:themeFamily xmlns:thm15="http://schemas.microsoft.com/office/thememl/2012/main" xmlns="" name="Facet" id="{C0C680CD-088A-49FC-A102-D699147F32B2}" vid="{CFBC31BA-B70F-4F30-BCAA-4F3011E16C4D}"/>
     </a:ext>
   </a:extLst>
 </a:theme>
